--- a/presentation/Presentation.pptx
+++ b/presentation/Presentation.pptx
@@ -219,7 +219,7 @@
           <a:p>
             <a:fld id="{E2FF8ABB-A048-452F-9AB8-24D5BA9F8CF5}" type="datetimeFigureOut">
               <a:rPr lang="en-US" smtClean="0"/>
-              <a:t>12/10/2025</a:t>
+              <a:t>12/11/2025</a:t>
             </a:fld>
             <a:endParaRPr lang="en-US"/>
           </a:p>
@@ -637,7 +637,7 @@
           <a:p>
             <a:r>
               <a:rPr lang="en-US" dirty="0"/>
-              <a:t>The data come from three main sources: Call Reports for balance sheets and interest expenses, FDIC Summary of Deposits for the geographic distribution of branches and deposits, and county-level demographic and financial data from Census, IRS, FCC, and HMDA.</a:t>
+              <a:t>The data come from three main sources: Call Reports for balance sheets and interest expenses, FDIC Summary of Deposits for the geographic distribution of branches and deposits, and county-level demographic and financial data from American Community Survey, IRS, and HMDA.</a:t>
             </a:r>
           </a:p>
           <a:p>
@@ -752,24 +752,24 @@
           <a:p>
             <a:r>
               <a:rPr lang="en-US" dirty="0"/>
-              <a:t>First, an effective deposit rate, defined as total interest expense on domestic deposits divided by the average stock of domestic deposits. This tells us the average price the bank is paying for its deposit </a:t>
+              <a:t>First, an effective deposit rate, defined as total interest expense on domestic deposits divided by the average stock of domestic deposits. This tells us the average price the bank is paying for its deposit funding. Second, deposit quantities, measured as quarter-on-quarter growth rates of total deposits, interest-bearing deposits, and a core deposit measure.</a:t>
+            </a:r>
+          </a:p>
+          <a:p>
+            <a:endParaRPr lang="en-US" dirty="0"/>
+          </a:p>
+          <a:p>
+            <a:r>
+              <a:rPr lang="en-US" dirty="0"/>
+              <a:t>Third, loan outcomes, mainly the growth rate of loans not held for sale which excludes the loans originated for securitization, and in robustness I also look at growth in single-family mortgages, multifamily mortgages, and commercial-</a:t>
             </a:r>
             <a:r>
               <a:rPr lang="en-US" dirty="0" err="1"/>
-              <a:t>funding.Second</a:t>
-            </a:r>
-            <a:r>
-              <a:rPr lang="en-US" dirty="0"/>
-              <a:t>, deposit quantities, measured as quarter-on-quarter growth rates of total deposits, interest-bearing deposits, and a core deposit measure.</a:t>
-            </a:r>
-          </a:p>
-          <a:p>
-            <a:endParaRPr lang="en-US" dirty="0"/>
-          </a:p>
-          <a:p>
-            <a:r>
-              <a:rPr lang="en-US" dirty="0"/>
-              <a:t>Third, loan outcomes, mainly the growth rate of loans not held for sale, and in robustness I also look at growth in single-family mortgages, multifamily mortgages, and C&amp;I loans separately.</a:t>
+              <a:t>indusrial</a:t>
+            </a:r>
+            <a:r>
+              <a:rPr lang="en-US" dirty="0"/>
+              <a:t> loans separately.</a:t>
             </a:r>
           </a:p>
           <a:p>
@@ -976,83 +976,7 @@
           <a:p>
             <a:r>
               <a:rPr lang="en-US" dirty="0"/>
-              <a:t>The common policy shock in the background is the cumulative change in the federal funds rate since 2021 Q4. By the end of the sample this adds up to a bit more than five percentage points.</a:t>
-            </a:r>
-          </a:p>
-          <a:p>
-            <a:endParaRPr lang="en-US" dirty="0"/>
-          </a:p>
-          <a:p>
-            <a:r>
-              <a:rPr lang="en-US" dirty="0"/>
-              <a:t>Before the hiking cycle starts, I measure three exposure indices for each bank using 2019–2021 data. The first is the </a:t>
-            </a:r>
-            <a:r>
-              <a:rPr lang="en-US" b="1" dirty="0"/>
-              <a:t>depositor sophistication index</a:t>
-            </a:r>
-            <a:r>
-              <a:rPr lang="en-US" dirty="0"/>
-              <a:t>. I build this with a principal component analysis on county variables like education, age, internet access, reported interest and dividend income, and a refinancing measure. The refinancing variable is the ratio of mortgage refinancing to new mortgage originations in HMDA, so it directly captures how actively households respond to rate changes. I then take a deposit-weighted average of this PCA index across the counties where the bank operates. This is one of the novelties of the paper – it uses local refinancing </a:t>
-            </a:r>
-            <a:r>
-              <a:rPr lang="en-US" dirty="0" err="1"/>
-              <a:t>behaviour</a:t>
-            </a:r>
-            <a:r>
-              <a:rPr lang="en-US" dirty="0"/>
-              <a:t> as part of a continuous sophistication measure.</a:t>
-            </a:r>
-          </a:p>
-          <a:p>
-            <a:endParaRPr lang="en-US" dirty="0"/>
-          </a:p>
-          <a:p>
-            <a:r>
-              <a:rPr lang="en-US" dirty="0"/>
-              <a:t>The second index is </a:t>
-            </a:r>
-            <a:r>
-              <a:rPr lang="en-US" b="1" dirty="0"/>
-              <a:t>branch intensity</a:t>
-            </a:r>
-            <a:r>
-              <a:rPr lang="en-US" dirty="0"/>
-              <a:t>, defined as the number of branches per billion dollars of deposits. In the regressions I use the </a:t>
-            </a:r>
-            <a:r>
-              <a:rPr lang="en-US" b="1" dirty="0"/>
-              <a:t>log</a:t>
-            </a:r>
-            <a:r>
-              <a:rPr lang="en-US" dirty="0"/>
-              <a:t> of this ratio, so it is really a log branch density measure that captures how branch-heavy and relationship-oriented the funding model is.</a:t>
-            </a:r>
-          </a:p>
-          <a:p>
-            <a:endParaRPr lang="en-US" dirty="0"/>
-          </a:p>
-          <a:p>
-            <a:r>
-              <a:rPr lang="en-US" dirty="0"/>
-              <a:t>The third is an </a:t>
-            </a:r>
-            <a:r>
-              <a:rPr lang="en-US" b="1" dirty="0"/>
-              <a:t>HHI exposure</a:t>
-            </a:r>
-            <a:r>
-              <a:rPr lang="en-US" dirty="0"/>
-              <a:t>, which is the deposit-weighted average of county-level deposit concentration for each bank. This keeps a connection to the traditional competition story, but now at the bank level.</a:t>
-            </a:r>
-          </a:p>
-          <a:p>
-            <a:endParaRPr lang="en-US" dirty="0"/>
-          </a:p>
-          <a:p>
-            <a:r>
-              <a:rPr lang="en-US" dirty="0"/>
-              <a:t>I then interact each of these three pre-2021 indices with the cumulative policy change in each quarter. That gives me three predicted funding shocks per bank per quarter – one based on sophistication, one based on branch intensity, and one based on HHI. These predicted shocks tell us how much a given bank </a:t>
+              <a:t>The common policy shock in the background is the cumulative change in the federal funds rate since 2021 Q4. By the end of the sample this adds up to a bit more than five percentage points. I then interact each of these three pre-2021 bank exposure indices with the cumulative policy change in each quarter. That gives me three predicted funding shocks per bank per quarter – one based on sophistication, one based on branch intensity, and one based on HHI. These predicted shocks tell us how much a given bank </a:t>
             </a:r>
             <a:r>
               <a:rPr lang="en-US" i="1" dirty="0"/>
@@ -1150,7 +1074,7 @@
           <a:p>
             <a:r>
               <a:rPr lang="en-US" dirty="0"/>
-              <a:t>I implement this in two steps using a simple two-stage least squares framework, but I will keep the discussion intuitive.</a:t>
+              <a:t>I estimate this in two steps using a standard two-stage least squares set-up, but I will skip the equations on the slide and keep the discussion intuitive.</a:t>
             </a:r>
           </a:p>
           <a:p>
@@ -1158,12 +1082,8 @@
           </a:p>
           <a:p>
             <a:r>
-              <a:rPr lang="en-US" b="1" dirty="0"/>
-              <a:t>First stage:</a:t>
-            </a:r>
-            <a:r>
-              <a:rPr lang="en-US" dirty="0"/>
-              <a:t> I ask whether these predicted funding shocks actually explain what happens to deposit conditions. Concretely, I regress cumulative effective deposit rates – and separately deposit growth – on the three interaction terms I just described. I include bank fixed effects and quarter fixed effects so I am looking at how a given bank responds over time relative to its own baseline, and I also add region-by-quarter fixed effects to absorb broad regional shocks.</a:t>
+              <a:rPr lang="en-US" dirty="0"/>
+              <a:t>In addition to the three exposure indices that form my main set of instruments, I also include two extra interactions with the policy shock: a deposit-weighted metro dummy and a deposit-weighted log median household income, beside the standard bank, region and time fixed effects. These are meant to soak up potential distributional differences in demand conditions across urban vs. non-urban and higher- vs. lower-income areas during the tightening cycle. </a:t>
             </a:r>
           </a:p>
           <a:p>
@@ -1172,29 +1092,7 @@
           <a:p>
             <a:r>
               <a:rPr lang="en-US" dirty="0"/>
-              <a:t>In addition, I include two sets of controls that are important for distributional reasons. I construct a deposit-weighted metro dummy and a deposit-weighted log median income for each bank, and interact both of them with the cumulative policy change. These controls make sure I am not simply picking up that high-sophistication banks tend to be in rich metro areas; they soak up the part of the exposure that is purely about being urban or high income.</a:t>
-            </a:r>
-          </a:p>
-          <a:p>
-            <a:endParaRPr lang="en-US" dirty="0"/>
-          </a:p>
-          <a:p>
-            <a:r>
-              <a:rPr lang="en-US" b="1" dirty="0"/>
-              <a:t>Second stage:</a:t>
-            </a:r>
-            <a:r>
-              <a:rPr lang="en-US" dirty="0"/>
-              <a:t> In the second step, I take the part of deposit conditions that is explained by these instruments – that is, the policy-induced component of funding costs or deposit growth – and relate it to loan growth. I run loan-growth regressions on the instrumented cumulative deposit rate, and in alternative specifications on instrumented deposit growth, using the same fixed effects and the same metro and income controls. This gives a reduced-form estimate of how a bank-level deposit funding shock generated by the tightening cycle translates into changes in credit supply.</a:t>
-            </a:r>
-          </a:p>
-          <a:p>
-            <a:endParaRPr lang="en-US" dirty="0"/>
-          </a:p>
-          <a:p>
-            <a:r>
-              <a:rPr lang="en-US" dirty="0"/>
-              <a:t>In the robustness section, I estimate multiple specifications using both flow and cumulative changes in deposit rates and quantities, several alternative definitions of deposit rates and deposit measures, and versions with and without the two additional controls; the main results remain stable across all of these specifications.</a:t>
+              <a:t>In the robustness checks, I re-estimate the model using both flow and cumulative changes in deposit rates and quantities, several alternative definitions of deposit rates and deposit aggregates, and versions with and without these two additional controls. Across all of these specifications, the main results are very stable.</a:t>
             </a:r>
           </a:p>
         </p:txBody>
@@ -1290,7 +1188,7 @@
           <a:p>
             <a:r>
               <a:rPr lang="en-US" dirty="0"/>
-              <a:t>The dashed line is the upper bound of the federal funds target, and the shaded area marks my sample period, 2022Q1–2023Q3. Over this period the Fed raised the policy rate by about 5.25 percentage points. The solid lines show effective deposit rates for all deposits and for interest-bearing deposits. You can see that banks increased the interest rate on interest-bearing deposits by </a:t>
+              <a:t>The dashed line is the upper bound of the federal funds target, and the shaded area marks my sample period from 2022Q1 to 2023Q3. Over this period the Fed raised the policy rate by about 5 and a quarter percentage points. The solid lines show effective deposit rates for all deposits and for interest-bearing deposits. You can see that banks increased the interest rate on interest-bearing deposits by </a:t>
             </a:r>
             <a:r>
               <a:rPr lang="en-US" b="1" dirty="0"/>
@@ -1315,7 +1213,7 @@
           <a:p>
             <a:r>
               <a:rPr lang="en-US" dirty="0"/>
-              <a:t>The right panel takes a simple average across banks instead of an asset-weighted average, and the pass-through looks even smaller. In other words, for a typical bank, deposit rates stayed far below money-market and Treasury yields. This widening spread means that the opportunity cost of holding low-yield deposits kept rising, especially for financially sophisticated customers, and it created strong incentives to move funds into alternative assets.</a:t>
+              <a:t>The right panel takes a simple average across banks instead of an asset-weighted average, and the pass-through looks even smaller. In other words, for a typical bank, deposit rates stayed far below money-market fund and Treasury yields. This widening spread means that the opportunity cost of holding low-yield deposits kept rising, especially for financially sophisticated customers, and it created strong incentives to move funds into alternative assets.</a:t>
             </a:r>
           </a:p>
         </p:txBody>
@@ -1468,7 +1366,7 @@
             </a:r>
             <a:r>
               <a:rPr lang="en-US" dirty="0"/>
-              <a:t> or operate in more concentrated markets raise deposit rates less. In terms of scale, for a 100-basis-point increase in the policy rate, a bank that is one standard deviation higher in sophistication raises its deposit rate by about 3½ basis points more than the average bank. The coefficient on sophistication is several times larger than the coefficient on HHI, which is consistent with the idea that depositor characteristics matter more than simple concentration for pricing power.</a:t>
+              <a:t> or operate in more concentrated markets raise deposit rates less. In terms of scale, for a 100-basis-point increase in the policy rate, a bank that is one standard deviation higher in sophistication raises its deposit rate by about 3 and a half basis points more than the average bank. The coefficient on sophistication is several times larger than the coefficient on HHI, which is consistent with the idea that depositor characteristics matter more than simple concentration for pricing power.</a:t>
             </a:r>
           </a:p>
           <a:p>
@@ -1599,6 +1497,9 @@
             </a:r>
           </a:p>
           <a:p>
+            <a:endParaRPr lang="en-US" dirty="0"/>
+          </a:p>
+          <a:p>
             <a:r>
               <a:rPr lang="en-US" dirty="0"/>
               <a:t>Column (1) uses the </a:t>
@@ -1617,19 +1518,11 @@
             </a:r>
             <a:r>
               <a:rPr lang="en-US" dirty="0"/>
-              <a:t> and highly significant. Interpreting the magnitude: if a bank’s cumulative effective deposit rate is 10 basis points higher because of the policy shock, its quarterly loan growth is about </a:t>
+              <a:t> and highly significant. Interpreting the magnitude: a 100-basis-point higher cumulative deposit rate implies roughly </a:t>
             </a:r>
             <a:r>
               <a:rPr lang="en-US" b="1" dirty="0"/>
-              <a:t>8 basis points lower</a:t>
-            </a:r>
-            <a:r>
-              <a:rPr lang="en-US" dirty="0"/>
-              <a:t>. Scaled up, a 100-basis-point higher cumulative deposit rate implies roughly </a:t>
-            </a:r>
-            <a:r>
-              <a:rPr lang="en-US" b="1" dirty="0"/>
-              <a:t>0.8 percentage points lower loan growth per quarter</a:t>
+              <a:t>80 basis point lower loan growth per quarter</a:t>
             </a:r>
             <a:r>
               <a:rPr lang="en-US" dirty="0"/>
@@ -1641,15 +1534,7 @@
             </a:r>
             <a:r>
               <a:rPr lang="en-US" dirty="0"/>
-              <a:t>, which is economically meaningful for banks that normally grow in the low single digits. The </a:t>
-            </a:r>
-            <a:r>
-              <a:rPr lang="en-US" dirty="0" err="1"/>
-              <a:t>Kleibergen</a:t>
-            </a:r>
-            <a:r>
-              <a:rPr lang="en-US" dirty="0"/>
-              <a:t>–Paap F-statistic is around 150, so the funding-cost instrument is very strong.</a:t>
+              <a:t>, which is economically meaningful for banks that normally grow in the low single digits. The KP F-statistic is around 150, so the funding-cost instrument is very strong.</a:t>
             </a:r>
           </a:p>
           <a:p>
@@ -1699,7 +1584,7 @@
           <a:p>
             <a:r>
               <a:rPr lang="en-US" dirty="0"/>
-              <a:t>These conclusions are robust to using alternative definitions of deposit rates and deposit aggregates as the instrumented variable, and they remain when I restrict the sample to banks with assets below 10 billion dollars. However, when I look at loan sub-categories such as single-family, multifamily, and C&amp;I loans separately, the estimates become imprecise and I do not find statistically strong effects, likely because reporting at that level of detail is noisier.</a:t>
+              <a:t>These conclusions are robust to using alternative definitions of deposit rates and deposit quantities as the instrumented variable, and they remain when I restrict the sample to banks with assets below 10 billion dollars. However, when I look at loan sub-categories such as single-family mortgage, multifamily mortgage, and commercial-industrial loans separately, the estimates become imprecise and I do not find statistically strong effects, likely because reporting at that level of detail is noisier.</a:t>
             </a:r>
           </a:p>
           <a:p>
@@ -1792,7 +1677,7 @@
           <a:p>
             <a:r>
               <a:rPr lang="en-US" dirty="0"/>
-              <a:t>Let me </a:t>
+              <a:t>Let me briefly </a:t>
             </a:r>
             <a:r>
               <a:rPr lang="en-US" dirty="0" err="1"/>
@@ -1817,7 +1702,7 @@
             </a:r>
             <a:r>
               <a:rPr lang="en-US" dirty="0"/>
-              <a:t>, the evidence is very strong. The pre-2021 exposure measures – especially the sophistication index and branch intensity – do a great job predicting how much each bank’s effective deposit rate moves over the hiking cycle. That is exactly H1. Banks with more sophisticated depositor bases raise deposit rates more, and branch-intensive banks raise them less.</a:t>
+              <a:t>, the evidence is very strong. The pre-2021 exposure measures – especially depositor sophistication and branch intensity – explain a lot of the cross-section in how much banks raised their effective deposit rates during the hiking cycle. Banks with more sophisticated depositor bases raised rates more, and more branch-intensive banks raised them less; HHI matters, but much less.</a:t>
             </a:r>
           </a:p>
           <a:p>
@@ -1834,8 +1719,11 @@
             </a:r>
             <a:r>
               <a:rPr lang="en-US" dirty="0"/>
-              <a:t>, the picture is much weaker. The same exposures do not give a clean pattern for cumulative deposit growth. Sophistication and HHI do not systematically predict larger outflows, and the first stage for deposit quantities is modest. That goes against H2 and against a simple DSS-style quantity story.</a:t>
-            </a:r>
+              <a:t>, the story is much weaker. The same exposures do not generate a clean pattern for cumulative deposit growth, and the first stage for deposit quantities is relatively modest. So we do not see a simple, robust link from these characteristics to deposit outflows.</a:t>
+            </a:r>
+          </a:p>
+          <a:p>
+            <a:endParaRPr lang="en-US" dirty="0"/>
           </a:p>
           <a:p>
             <a:r>
@@ -1848,7 +1736,15 @@
             </a:r>
             <a:r>
               <a:rPr lang="en-US" dirty="0"/>
-              <a:t>. Policy-induced increases in effective deposit rates are associated with materially lower loan growth, even after controlling for time and regional effects. That supports H3.</a:t>
+              <a:t>: policy-induced increases in effective deposit rates are associated with meaningfully lower loan growth, even after controlling for distributional, and regional and time effects. By contrast, when I use instrumented deposit growth instead of deposit rates, the coefficients are small, sometimes with the wrong sign, and the instruments are weak. There is </a:t>
+            </a:r>
+            <a:r>
+              <a:rPr lang="en-US" b="1" dirty="0"/>
+              <a:t>no robust deposit-outflow channel</a:t>
+            </a:r>
+            <a:r>
+              <a:rPr lang="en-US" dirty="0"/>
+              <a:t> in this sample.</a:t>
             </a:r>
           </a:p>
           <a:p>
@@ -1857,24 +1753,7 @@
           <a:p>
             <a:r>
               <a:rPr lang="en-US" dirty="0"/>
-              <a:t>In contrast, when I use instrumented deposit growth instead of deposit rates, the coefficients are small, sometimes wrong-signed, and the instruments are weak. There is no robust </a:t>
-            </a:r>
-            <a:r>
-              <a:rPr lang="en-US" b="1" dirty="0"/>
-              <a:t>deposit-outflow channel</a:t>
-            </a:r>
-            <a:r>
-              <a:rPr lang="en-US" dirty="0"/>
-              <a:t> in this sample, so H4 is not supported.</a:t>
-            </a:r>
-          </a:p>
-          <a:p>
-            <a:endParaRPr lang="en-US" dirty="0"/>
-          </a:p>
-          <a:p>
-            <a:r>
-              <a:rPr lang="en-US" dirty="0"/>
-              <a:t>Overall, the results point to a </a:t>
+              <a:t>Overall, the picture that emerges is a </a:t>
             </a:r>
             <a:r>
               <a:rPr lang="en-US" b="1" dirty="0"/>
@@ -1882,11 +1761,8 @@
             </a:r>
             <a:r>
               <a:rPr lang="en-US" dirty="0"/>
-              <a:t> rather than a mechanical “core deposits equal lending capacity” channel. And within that price channel, depositor characteristics and the bank’s funding model matter much more than simple county concentration as measured by HHI.</a:t>
-            </a:r>
-          </a:p>
-          <a:p>
-            <a:endParaRPr lang="en-US" dirty="0"/>
+              <a:t> rather than a mechanical “core deposits equal lending capacity” channel. Within that price channel, depositor characteristics and the bank’s funding model matter much more than simple county concentration as measured by HHI</a:t>
+            </a:r>
           </a:p>
         </p:txBody>
       </p:sp>
@@ -1972,7 +1848,7 @@
           <a:p>
             <a:r>
               <a:rPr lang="en-US" dirty="0"/>
-              <a:t>Let me finish with a few </a:t>
+              <a:t>Let me continue with a few </a:t>
             </a:r>
             <a:r>
               <a:rPr lang="en-US" i="1" dirty="0"/>
@@ -2022,7 +1898,7 @@
             </a:r>
             <a:r>
               <a:rPr lang="en-US" dirty="0"/>
-              <a:t>. Even if a bank could raise loan rates, doing so would tend to attract riskier borrowers and drive away the safer ones. If the funding shock is persistent, the bank may prefer to keep rates roughly in line with competitors and instead ration credit, which again shows up as lower loan growth rather than higher spreads.</a:t>
+              <a:t>. Even if a bank could raise loan rates, doing so would tend to attract riskier borrowers and drive away the safer ones. If the funding shock is persistent, the bank may prefer to keep rates roughly in line with competitors and instead ration credit, which again shows up as lower loan growth.</a:t>
             </a:r>
           </a:p>
           <a:p>
@@ -2324,13 +2200,7 @@
             </a:r>
             <a:r>
               <a:rPr lang="en-US" dirty="0"/>
-              <a:t>. Borrowers who rely on relationship lending – small businesses, households in smaller communities, or more marginal social groups – may not be able to switch easily to a bank that was less affected by the funding-cost shock. For them, a given hiking cycle can translate into a much sharper tightening of credit than for large or sophisticated borrowers who can shop across lenders.</a:t>
-            </a:r>
-          </a:p>
-          <a:p>
-            <a:r>
-              <a:rPr lang="en-US" dirty="0"/>
-              <a:t>So the deposit price channel I document is not just a technical detail of bank balance sheets; it can shape where and on whom the real effects of monetary policy are concentrated.</a:t>
+              <a:t>. Borrowers who rely on relationship lending – small businesses, households in smaller communities, or more marginal social groups – may not be able to switch easily to a bank that was less affected by the funding-cost shock. For them, a given hiking cycle can translate into a much sharper tightening of credit than for large or sophisticated borrowers who can shop across lenders. So the deposit price channel I document is not just a technical detail of bank balance sheets; it can shape where and on whom the real effects of monetary policy are concentrated.</a:t>
             </a:r>
           </a:p>
           <a:p>
@@ -2429,7 +2299,7 @@
           <a:p>
             <a:r>
               <a:rPr lang="en-US" dirty="0"/>
-              <a:t>On the contribution side, first, the paper provides </a:t>
+              <a:t>On the contribution side, first, the paper provides, as far as I know the first, </a:t>
             </a:r>
             <a:r>
               <a:rPr lang="en-US" b="1" dirty="0"/>
@@ -2437,7 +2307,7 @@
             </a:r>
             <a:r>
               <a:rPr lang="en-US" dirty="0"/>
-              <a:t> that monetary policy affects credit supply through deposit funding costs. Using the recent hiking cycle, I show that banks that are hit harder on their effective deposit rates do in fact grow loans more slowly, even after controlling for time and regional effects.</a:t>
+              <a:t> that monetary policy affects credit supply through deposit funding costs. Using the recent hiking cycle, I show that banks that are hit harder on their effective deposit rates do in fact grow loans more slowly, even after controlling for time and regional effects</a:t>
             </a:r>
           </a:p>
           <a:p>
@@ -2446,27 +2316,19 @@
           <a:p>
             <a:r>
               <a:rPr lang="en-US" dirty="0"/>
-              <a:t>Second, by confronting DSS with </a:t>
-            </a:r>
-            <a:r>
-              <a:rPr lang="en-US" dirty="0" err="1"/>
-              <a:t>Begenau</a:t>
-            </a:r>
-            <a:r>
-              <a:rPr lang="en-US" dirty="0"/>
-              <a:t>–Stafford and Narayanan–</a:t>
-            </a:r>
-            <a:r>
-              <a:rPr lang="en-US" dirty="0" err="1"/>
-              <a:t>Ratnadiwakara</a:t>
-            </a:r>
-            <a:r>
-              <a:rPr lang="en-US" dirty="0"/>
-              <a:t>, and then taking a bank-level design to the data, the paper </a:t>
+              <a:t>Second, the paper </a:t>
             </a:r>
             <a:r>
               <a:rPr lang="en-US" b="1" dirty="0"/>
-              <a:t>reframes the deposit channel</a:t>
+              <a:t>reframes the deposit channel originated from </a:t>
+            </a:r>
+            <a:r>
+              <a:rPr lang="en-US" b="1" dirty="0" err="1"/>
+              <a:t>Dreshler</a:t>
+            </a:r>
+            <a:r>
+              <a:rPr lang="en-US" b="1" dirty="0"/>
+              <a:t> and coauthors</a:t>
             </a:r>
             <a:r>
               <a:rPr lang="en-US" dirty="0"/>
@@ -2588,6 +2450,15 @@
               <a:t>In terms of limitations, the estimates are deliberately reduced form. I cannot cleanly distinguish between different micro mechanisms – such as adverse selection, and capital constraints - that might generate the same funding-cost elasticity. I also do not attempt to translate these bank-level effects into a quantitative statement about the overall impact of policy on GDP or employment; that would require a calibrated model. Finally, the analysis is based on a single tightening episode in a relatively short panel, so we do not yet know how stable these elasticities are across different monetary regimes.</a:t>
             </a:r>
           </a:p>
+          <a:p>
+            <a:endParaRPr lang="en-US" dirty="0"/>
+          </a:p>
+          <a:p>
+            <a:r>
+              <a:rPr lang="en-US" dirty="0"/>
+              <a:t>My paper also deliberately does not include bank-balance sheet variables in the regressions and assume that they are soaked up by bank fixed effects as in most deposit channel papers. However, the deposit channel I just described equally applies, when small and illiquid banks have to pay more to replace lost core deposits during tightening. If that’s true, then the bank fixed effect here might have only controlled level but not slopes. So if my paper receives good feedback, then it would be a natural extension to bring in the balance-sheet variable to the deposit channel story.</a:t>
+            </a:r>
+          </a:p>
         </p:txBody>
       </p:sp>
       <p:sp>
@@ -2756,15 +2627,7 @@
           <a:p>
             <a:r>
               <a:rPr lang="en-US" dirty="0"/>
-              <a:t>This paper looks inside the “black box” of how interest rate policy is transmitted to the real economy. In most macro 101 stories, this is framed as a demand-side channel: when the central bank raises rates, borrowing becomes more expensive, so investment and consumption fall, and vice versa. Keynes already questioned how powerful this is for fixed investment, noting that fluctuations in the marginal efficiency of capital can dwarf normal rate changes. That would suggest the main demand-side effect is on household spending, and, more concretely, on interest-sensitive items like mortgages and auto loans when the long end of the yield curve moves. How strong this demand channel really is </a:t>
-            </a:r>
-            <a:r>
-              <a:rPr lang="en-US" dirty="0" err="1"/>
-              <a:t>is</a:t>
-            </a:r>
-            <a:r>
-              <a:rPr lang="en-US" dirty="0"/>
-              <a:t> an empirical question, but it is not the focus today.</a:t>
+              <a:t>This paper looks inside the “black box” of how interest rate policy is transmitted to the real economy. In most macro 101 stories, this is framed as a demand-side channel: when the central bank raises rates, borrowing becomes more expensive, so investment and consumption fall, and vice versa. Keynes already questioned how powerful this is for fixed investment, noting that fluctuations in the marginal efficiency of capital can dwarf normal rate changes. That would suggest the main demand-side effect is on household spending, and, more concretely, on interest-sensitive items like mortgages and auto loans when the long end of the yield curve moves. How strong this demand channel really is, is an empirical question, but it is not the topic today.</a:t>
             </a:r>
           </a:p>
           <a:p>
@@ -2885,7 +2748,7 @@
             </a:r>
             <a:r>
               <a:rPr lang="en-US" dirty="0"/>
-              <a:t> path of short rates. Forward guidance shifts the expected yield curve, and that is what moves investment and consumption.</a:t>
+              <a:t> path of short rates. Forward guidance shifts the yield curve, and that is what moves investment and consumption.</a:t>
             </a:r>
           </a:p>
           <a:p>
@@ -2901,18 +2764,34 @@
             <a:endParaRPr lang="en-US" dirty="0"/>
           </a:p>
           <a:p>
-            <a:r>
-              <a:rPr lang="en-US" dirty="0"/>
-              <a:t>The third channel is the “credit channel” in Bernanke and coauthors. There are two parts. On the borrower side, a rate hike and the associated economic slowdown (assumed from the first textbook channel ofc) can damage borrower balance sheets, lower collateral values, and increase default risk, so banks become less willing to lend even at the same interest rate. On the bank side, higher rates can reduce the market value of banks’ assets and compress profitability; weaker bank balance sheets make banks more cautious, so they cut back on lending out of liquidity and solvency concerns. In both cases, the balance sheet position of borrowers and banks amplifies the initial interest-rate shock.</a:t>
-            </a:r>
-          </a:p>
-          <a:p>
-            <a:endParaRPr lang="en-US" dirty="0"/>
-          </a:p>
-          <a:p>
-            <a:r>
-              <a:rPr lang="en-US" dirty="0"/>
-              <a:t>The fourth channel is the bank capital channel, which links monetary policy to Basel-style capital regulation. Banks are required to keep a minimum ratio of equity capital to risk-weighted assets. When policy tightens, net interest margins can be squeezed and the value of fixed-rate assets can fall, so retained earnings and capital buffers erode. If a bank gets close to its capital requirement, it has two options: raise new equity, which is costly and often unattractive, or shrink risk-weighted assets. In practice, that means cutting back on new lending. In this view, the effect of rate hikes on credit supply runs partly through bank profitability and the need to rebuild capital in order to stay comfortably above regulatory thresholds. </a:t>
+            <a:pPr marL="0" marR="0" lvl="0" indent="0" algn="l" defTabSz="914400" rtl="0" eaLnBrk="1" fontAlgn="auto" latinLnBrk="0" hangingPunct="1">
+              <a:lnSpc>
+                <a:spcPct val="100000"/>
+              </a:lnSpc>
+              <a:spcBef>
+                <a:spcPts val="0"/>
+              </a:spcBef>
+              <a:spcAft>
+                <a:spcPts val="0"/>
+              </a:spcAft>
+              <a:buClrTx/>
+              <a:buSzTx/>
+              <a:buFontTx/>
+              <a:buNone/>
+              <a:tabLst/>
+              <a:defRPr/>
+            </a:pPr>
+            <a:r>
+              <a:rPr lang="en-US" dirty="0"/>
+              <a:t>The third channel is the “credit channel” of Bernanke and coauthors. Rate hikes weaken borrower and bank balance sheets—collateral values fall, default risk rises, and banks’ own asset values and profits decline—so banks become more cautious and cut lending. In this way, balance sheets amplify the initial interest-rate shock. The fourth channel is the </a:t>
+            </a:r>
+            <a:r>
+              <a:rPr lang="en-US" b="1" dirty="0"/>
+              <a:t>bank capital channel</a:t>
+            </a:r>
+            <a:r>
+              <a:rPr lang="en-US" dirty="0"/>
+              <a:t>. Rate hikes can squeeze net interest margins and lower the value of fixed-rate assets, eroding banks’ earnings and capital. Because they must meet Basel capital ratios, banks that get close to the requirement often choose to shrink risk-weighted assets rather than issue new equity, which in practice means cutting back on new lending.</a:t>
             </a:r>
           </a:p>
           <a:p>
@@ -3016,15 +2895,7 @@
             </a:r>
             <a:r>
               <a:rPr lang="en-US" dirty="0"/>
-              <a:t> and Schnabl (2016), hereafter DSS, use a cross-sectional strategy rather than macro time-series. They measure local deposit-market concentration with the county-level Herfindahl–Hirschman Index (HHI) from branch deposits. The idea is that in competitive counties (low HHI) deposit taking is closer to perfect competition, so banks must pass through more of a policy-rate hike into deposit rates. In concentrated counties (high HHI) banks have more market power, pass through less, let deposit spreads widen, and therefore should lose more deposits when rates rise. To separate this from loan-demand effects, they include </a:t>
-            </a:r>
-            <a:r>
-              <a:rPr lang="en-US" dirty="0" err="1"/>
-              <a:t>bank×time</a:t>
-            </a:r>
-            <a:r>
-              <a:rPr lang="en-US" dirty="0"/>
-              <a:t> fixed effects and effectively compare different branches of the same bank operating in counties with different HHI.</a:t>
+              <a:t> and Schnabl (2016), hereafter DSS, use a cross-sectional strategy rather than macro time-series. They measure local deposit-market concentration with the county-level Herfindahl–Hirschman Index from branch deposits. The idea is that in competitive counties with low HHI deposit taking is closer to perfect competition, so banks must pass through more of a policy-rate hike into deposit rates. In concentrated counties with high HHI banks have more market power, pass through less, let deposit spreads widen, and therefore should lose more deposits when rates rise. To separate this from loan-demand effects, they include bank-time fixed effects and effectively compare different branches of the same bank operating in counties with different HHI.</a:t>
             </a:r>
           </a:p>
           <a:p>
@@ -3033,7 +2904,7 @@
           <a:p>
             <a:r>
               <a:rPr lang="en-US" dirty="0"/>
-              <a:t>Empirically, they find that when the funds rate increases, branches in high-HHI counties raise deposit rates less and experience larger declines in core deposit growth. At the bank level, banks whose deposit footprint is more concentrated (higher deposit-weighted HHI) reduce loan growth more in tightening episodes. DSS interpret these patterns as evidence for a “deposit quantity channel”: rate hikes with imperfect pass-through lead to core deposit outflows, which then force banks to shrink balance sheets and cut lending. Using a calibrated model, DSS argue that banks will reduce credit supply at a slightly smaller scale of the aggregate deposit outflow. </a:t>
+              <a:t>Empirically, they find that when the funds rate increases, branches in high-HHI counties raise deposit rates less and experience larger declines in core deposit growth. At the bank level, banks whose deposit footprint is more concentrated reduce loan growth more in tightening episodes. DSS interpret these patterns as evidence for a “deposit quantity channel”: rate hikes with imperfect pass-through lead to core deposit outflows, which then force banks to shrink balance sheets and cut lending. Using a calibrated model, DSS argue that banks will reduce credit supply at a slightly smaller scale of the aggregate deposit outflow. </a:t>
             </a:r>
           </a:p>
         </p:txBody>
@@ -3285,7 +3156,7 @@
           <a:p>
             <a:r>
               <a:rPr lang="en-US" dirty="0"/>
-              <a:t>Here I lay out my theoretical concerns about how DSS formulate the deposit channel.</a:t>
+              <a:t>Here I lay out my theoretical critiques about how DSS formulate the deposit channel.</a:t>
             </a:r>
           </a:p>
           <a:p>
@@ -3310,15 +3181,15 @@
             </a:r>
             <a:r>
               <a:rPr lang="en-US" dirty="0"/>
-              <a:t> of a policy-rate increase into deposit rates, not simply accept large outflows. It is not internally consistent to assume deposits are crucial but also assume banks let core deposits run off without using the price margin. That logic already pushes us toward thinking of the deposit channel as working primarily through </a:t>
+              <a:t> of a policy-rate increase into deposit rates, not simply accept large outflows. It is not internally consistent to assume deposits are crucial but also assume banks with market power let core deposits run off without using the price margin. That logic already pushes us toward thinking of the deposit channel as working primarily through </a:t>
             </a:r>
             <a:r>
               <a:rPr lang="en-US" b="1" dirty="0"/>
-              <a:t>funding costs</a:t>
-            </a:r>
-            <a:r>
-              <a:rPr lang="en-US" dirty="0"/>
-              <a:t> (how much banks have to pay on deposits), rather than through the sheer quantity of deposits left on the balance sheet.</a:t>
+              <a:t>funding costs - </a:t>
+            </a:r>
+            <a:r>
+              <a:rPr lang="en-US" dirty="0"/>
+              <a:t>how much banks have to pay on deposits, rather than through the sheer quantity of deposits left on the balance sheet.</a:t>
             </a:r>
           </a:p>
           <a:p>
@@ -3327,7 +3198,7 @@
           <a:p>
             <a:r>
               <a:rPr lang="en-US" dirty="0"/>
-              <a:t>Second, from a post-Keynesian endogenous-money perspective, I think deposits are </a:t>
+              <a:t>Second, from an endogenous-money perspective, I think deposits are </a:t>
             </a:r>
             <a:r>
               <a:rPr lang="en-US" b="1" dirty="0"/>
@@ -3335,7 +3206,7 @@
             </a:r>
             <a:r>
               <a:rPr lang="en-US" dirty="0"/>
-              <a:t> than the DSS story implies. At the macro level, when households move money out of checking and savings accounts into T-bills or money market funds, the resulting portfolio rebalancing does not map one-for-one or anything close into a shrinkage of bank loans. Some of those funds come back as brokered CDs or large time deposits, some are effectively recycled as banks sell securities such as Treasuries, and only the residual funding gap has to be closed by cutting loan supply. In that environment, you would expect the </a:t>
+              <a:t> than the DSS story implies. At the macro level, when households move money out of checking and savings accounts into T-bills or money market funds, the resulting portfolio rebalancing does not map one-for-one or anything close into a shrinkage of bank loans. Some of those funds come back as brokered CDs or large time deposits, some are effectively recycled as banks sell securities such as Treasuries, and only the residual funding gap has to be closed by cutting loan supply. In that environment, you would logically expect the </a:t>
             </a:r>
             <a:r>
               <a:rPr lang="en-US" b="1" dirty="0"/>
@@ -3368,7 +3239,7 @@
             </a:r>
             <a:r>
               <a:rPr lang="en-US" dirty="0"/>
-              <a:t> with alternative liabilities. Banks that lose more cheap core funding and have to rely more heavily on brokered CDs or large time deposits will face higher funding costs and thus a stronger incentive to slow lending. In the rest of the talk I will focus on how this shows up in the cross-section of deposit adjustments at the bank level, and leave a full theory of cross-sectional borrowing costs for future work.</a:t>
+              <a:t> with alternative liabilities. Banks that lose more cheap core funding have to either pay higher rates on core deposit or rely more heavily on expensive wholesale funding such as brokered CD or large time deposit, and thus funding will face higher funding costs and thus a stronger incentive to slow lending.</a:t>
             </a:r>
           </a:p>
         </p:txBody>
@@ -3455,7 +3326,7 @@
           <a:p>
             <a:r>
               <a:rPr lang="en-US" dirty="0"/>
-              <a:t>After discussing DSS and the critiques, I want to lay out the version of the deposit channel that I will take to the data.</a:t>
+              <a:t>After discussing DSS and the critiques, I want to lay out a new version of deposit channel that I will take to the data.</a:t>
             </a:r>
           </a:p>
           <a:p>
@@ -3798,7 +3669,7 @@
           <a:p>
             <a:fld id="{5B7192E2-533C-467E-84B1-F8C74064F8E5}" type="datetimeFigureOut">
               <a:rPr lang="en-US" smtClean="0"/>
-              <a:t>12/10/2025</a:t>
+              <a:t>12/11/2025</a:t>
             </a:fld>
             <a:endParaRPr lang="en-US"/>
           </a:p>
@@ -3996,7 +3867,7 @@
           <a:p>
             <a:fld id="{5B7192E2-533C-467E-84B1-F8C74064F8E5}" type="datetimeFigureOut">
               <a:rPr lang="en-US" smtClean="0"/>
-              <a:t>12/10/2025</a:t>
+              <a:t>12/11/2025</a:t>
             </a:fld>
             <a:endParaRPr lang="en-US"/>
           </a:p>
@@ -4204,7 +4075,7 @@
           <a:p>
             <a:fld id="{5B7192E2-533C-467E-84B1-F8C74064F8E5}" type="datetimeFigureOut">
               <a:rPr lang="en-US" smtClean="0"/>
-              <a:t>12/10/2025</a:t>
+              <a:t>12/11/2025</a:t>
             </a:fld>
             <a:endParaRPr lang="en-US"/>
           </a:p>
@@ -4402,7 +4273,7 @@
           <a:p>
             <a:fld id="{5B7192E2-533C-467E-84B1-F8C74064F8E5}" type="datetimeFigureOut">
               <a:rPr lang="en-US" smtClean="0"/>
-              <a:t>12/10/2025</a:t>
+              <a:t>12/11/2025</a:t>
             </a:fld>
             <a:endParaRPr lang="en-US"/>
           </a:p>
@@ -4677,7 +4548,7 @@
           <a:p>
             <a:fld id="{5B7192E2-533C-467E-84B1-F8C74064F8E5}" type="datetimeFigureOut">
               <a:rPr lang="en-US" smtClean="0"/>
-              <a:t>12/10/2025</a:t>
+              <a:t>12/11/2025</a:t>
             </a:fld>
             <a:endParaRPr lang="en-US"/>
           </a:p>
@@ -4942,7 +4813,7 @@
           <a:p>
             <a:fld id="{5B7192E2-533C-467E-84B1-F8C74064F8E5}" type="datetimeFigureOut">
               <a:rPr lang="en-US" smtClean="0"/>
-              <a:t>12/10/2025</a:t>
+              <a:t>12/11/2025</a:t>
             </a:fld>
             <a:endParaRPr lang="en-US"/>
           </a:p>
@@ -5354,7 +5225,7 @@
           <a:p>
             <a:fld id="{5B7192E2-533C-467E-84B1-F8C74064F8E5}" type="datetimeFigureOut">
               <a:rPr lang="en-US" smtClean="0"/>
-              <a:t>12/10/2025</a:t>
+              <a:t>12/11/2025</a:t>
             </a:fld>
             <a:endParaRPr lang="en-US"/>
           </a:p>
@@ -5495,7 +5366,7 @@
           <a:p>
             <a:fld id="{5B7192E2-533C-467E-84B1-F8C74064F8E5}" type="datetimeFigureOut">
               <a:rPr lang="en-US" smtClean="0"/>
-              <a:t>12/10/2025</a:t>
+              <a:t>12/11/2025</a:t>
             </a:fld>
             <a:endParaRPr lang="en-US"/>
           </a:p>
@@ -5608,7 +5479,7 @@
           <a:p>
             <a:fld id="{5B7192E2-533C-467E-84B1-F8C74064F8E5}" type="datetimeFigureOut">
               <a:rPr lang="en-US" smtClean="0"/>
-              <a:t>12/10/2025</a:t>
+              <a:t>12/11/2025</a:t>
             </a:fld>
             <a:endParaRPr lang="en-US"/>
           </a:p>
@@ -5919,7 +5790,7 @@
           <a:p>
             <a:fld id="{5B7192E2-533C-467E-84B1-F8C74064F8E5}" type="datetimeFigureOut">
               <a:rPr lang="en-US" smtClean="0"/>
-              <a:t>12/10/2025</a:t>
+              <a:t>12/11/2025</a:t>
             </a:fld>
             <a:endParaRPr lang="en-US"/>
           </a:p>
@@ -6207,7 +6078,7 @@
           <a:p>
             <a:fld id="{5B7192E2-533C-467E-84B1-F8C74064F8E5}" type="datetimeFigureOut">
               <a:rPr lang="en-US" smtClean="0"/>
-              <a:t>12/10/2025</a:t>
+              <a:t>12/11/2025</a:t>
             </a:fld>
             <a:endParaRPr lang="en-US"/>
           </a:p>
@@ -6448,7 +6319,7 @@
           <a:p>
             <a:fld id="{5B7192E2-533C-467E-84B1-F8C74064F8E5}" type="datetimeFigureOut">
               <a:rPr lang="en-US" smtClean="0"/>
-              <a:t>12/10/2025</a:t>
+              <a:t>12/11/2025</a:t>
             </a:fld>
             <a:endParaRPr lang="en-US"/>
           </a:p>
@@ -7047,7 +6918,7 @@
           <a:p>
             <a:r>
               <a:rPr lang="en-US" dirty="0"/>
-              <a:t>Sources: Call Reports, FDIC Summary of Deposits, county data (Census/IRS/FCC/HMDA)</a:t>
+              <a:t>Sources: Call Reports, FDIC Summary of Deposits, county data (ACS/IRS/HMDA)</a:t>
             </a:r>
           </a:p>
         </p:txBody>
@@ -7142,7 +7013,7 @@
           <a:p>
             <a:r>
               <a:rPr lang="en-US" dirty="0"/>
-              <a:t>Deposit quantities = growth of total, interest-bearing, and core deposits</a:t>
+              <a:t>Deposit quantities = growth of core, interest-bearing, and total deposits</a:t>
             </a:r>
           </a:p>
           <a:p>
@@ -8564,6 +8435,15 @@
             <a:r>
               <a:rPr lang="en-US" dirty="0"/>
               <a:t>Cover only one rate-hike cycle in a relatively short panel.</a:t>
+            </a:r>
+          </a:p>
+          <a:p>
+            <a:endParaRPr lang="en-US" dirty="0"/>
+          </a:p>
+          <a:p>
+            <a:r>
+              <a:rPr lang="en-US" dirty="0"/>
+              <a:t>Potential further work</a:t>
             </a:r>
           </a:p>
         </p:txBody>

--- a/presentation/Presentation.pptx
+++ b/presentation/Presentation.pptx
@@ -619,16 +619,16 @@
           <a:p>
             <a:r>
               <a:rPr lang="en-US" dirty="0"/>
-              <a:t>For the empirical work I use a quarterly panel of U.S. commercial banks from 2021Q4 to 2023Q3.</a:t>
-            </a:r>
-          </a:p>
-          <a:p>
-            <a:endParaRPr lang="en-US" dirty="0"/>
-          </a:p>
-          <a:p>
-            <a:r>
-              <a:rPr lang="en-US" dirty="0"/>
-              <a:t>That gives me roughly 3,800 banks that are present at the start of 2022, and over 95% of them are small and community banks with assets under 10 billion USD, where deposit funding is especially important.</a:t>
+              <a:t>For the empirical work I use a quarterly panel of insured U.S. commercial banks from 2022Q1 to 2023Q2, which is a very short panel. </a:t>
+            </a:r>
+          </a:p>
+          <a:p>
+            <a:endParaRPr lang="en-US" dirty="0"/>
+          </a:p>
+          <a:p>
+            <a:r>
+              <a:rPr lang="en-US" dirty="0"/>
+              <a:t>That gives me roughly 3,800 banks that are present at the start of 2022, and over 95% of them are small and community banks with assets under 10 billion USD</a:t>
             </a:r>
           </a:p>
           <a:p>
@@ -752,7 +752,7 @@
           <a:p>
             <a:r>
               <a:rPr lang="en-US" dirty="0"/>
-              <a:t>First, an effective deposit rate, defined as total interest expense on domestic deposits divided by the average stock of domestic deposits. This tells us the average price the bank is paying for its deposit funding. Second, deposit quantities, measured as quarter-on-quarter growth rates of total deposits, interest-bearing deposits, and a core deposit measure.</a:t>
+              <a:t>First, an effective deposit rate, defined as total interest expense on domestic deposits divided by the average stock of domestic deposits or average stock of interesting bearing deposits. This tells us the average price the bank is paying for its deposit funding. Second, deposit quantities, measured as quarter-on-quarter growth rates of core deposits, interest-bearing deposits and total deposits.  </a:t>
             </a:r>
           </a:p>
           <a:p>
@@ -862,34 +862,34 @@
           <a:p>
             <a:r>
               <a:rPr lang="en-US" dirty="0"/>
-              <a:t>To capture how exposed each bank was before the tightening started, I construct three indices using 2019–2021 data.</a:t>
-            </a:r>
-          </a:p>
-          <a:p>
-            <a:endParaRPr lang="en-US" dirty="0"/>
-          </a:p>
-          <a:p>
-            <a:r>
-              <a:rPr lang="en-US" dirty="0"/>
-              <a:t>The first is a depositor sophistication index, built from a Principal Component Analysis using county-level variables like income, age, education, internet access, and financial activity, aggregated to the bank level using deposit weights. This is meant to proxy how rate-sensitive and information-rich the depositor base is.</a:t>
-            </a:r>
-          </a:p>
-          <a:p>
-            <a:endParaRPr lang="en-US" dirty="0"/>
-          </a:p>
-          <a:p>
-            <a:r>
-              <a:rPr lang="en-US" dirty="0"/>
-              <a:t>The second is branch intensity, defined as the number of branches per billion dollars of domestic deposits. This captures how “branch-heavy” and relationship-oriented the bank’s funding model is.</a:t>
-            </a:r>
-          </a:p>
-          <a:p>
-            <a:endParaRPr lang="en-US" dirty="0"/>
-          </a:p>
-          <a:p>
-            <a:r>
-              <a:rPr lang="en-US" dirty="0"/>
-              <a:t>The third is an HHI exposure, which is the deposit-weighted average of county-level deposit concentration for each bank. This keeps a link to the traditional market-power view in DSS, but now at the bank level.</a:t>
+              <a:t>To capture how exposed each bank was before the tightening period started, I construct three indices using 2019–2021 data.</a:t>
+            </a:r>
+          </a:p>
+          <a:p>
+            <a:endParaRPr lang="en-US" dirty="0"/>
+          </a:p>
+          <a:p>
+            <a:r>
+              <a:rPr lang="en-US" dirty="0"/>
+              <a:t>The first is a depositor sophistication index, built from a Principal Component Analysis using county-level variables like age, education, internet access, and financial activity, aggregated to the bank level using deposit weights. This is meant to proxy how rate-sensitive and information-rich the depositor base is. What’s novel here is that I use the ratio of mortgage refinancing to total new mortgage underwriting as a proxy for household interest-rate sensitivity at the county level. </a:t>
+            </a:r>
+          </a:p>
+          <a:p>
+            <a:endParaRPr lang="en-US" dirty="0"/>
+          </a:p>
+          <a:p>
+            <a:r>
+              <a:rPr lang="en-US" dirty="0"/>
+              <a:t>The second is branch intensity, defined as the log number of branches per billion dollars of domestic deposits. This captures how “branch-heavy” and relationship-oriented the bank’s funding model is.</a:t>
+            </a:r>
+          </a:p>
+          <a:p>
+            <a:endParaRPr lang="en-US" dirty="0"/>
+          </a:p>
+          <a:p>
+            <a:r>
+              <a:rPr lang="en-US" dirty="0"/>
+              <a:t>The third is an HHI exposure, which is the deposit-weighted average of county-level deposit concentration for each bank. This keeps a link to the traditional market-power view in DSS, but now at the bank level not branch level. </a:t>
             </a:r>
           </a:p>
         </p:txBody>
@@ -976,7 +976,7 @@
           <a:p>
             <a:r>
               <a:rPr lang="en-US" dirty="0"/>
-              <a:t>The common policy shock in the background is the cumulative change in the federal funds rate since 2021 Q4. By the end of the sample this adds up to a bit more than five percentage points. I then interact each of these three pre-2021 bank exposure indices with the cumulative policy change in each quarter. That gives me three predicted funding shocks per bank per quarter – one based on sophistication, one based on branch intensity, and one based on HHI. These predicted shocks tell us how much a given bank </a:t>
+              <a:t>The common policy shock in the background is the cumulative change in the federal funds rate since 2021 Q4. By the end of the sample this adds up to a bit more than five percentage points. I then interact each of these three pre-2022 bank exposure indices with the cumulative policy change in each quarter. That gives me three predicted funding shocks per bank per quarter – one based on depositor sophistication, one based on branch intensity, and one based on HHI. These predicted shocks tell us how much a given bank </a:t>
             </a:r>
             <a:r>
               <a:rPr lang="en-US" i="1" dirty="0"/>
@@ -1074,16 +1074,16 @@
           <a:p>
             <a:r>
               <a:rPr lang="en-US" dirty="0"/>
-              <a:t>I estimate this in two steps using a standard two-stage least squares set-up, but I will skip the equations on the slide and keep the discussion intuitive.</a:t>
-            </a:r>
-          </a:p>
-          <a:p>
-            <a:endParaRPr lang="en-US" dirty="0"/>
-          </a:p>
-          <a:p>
-            <a:r>
-              <a:rPr lang="en-US" dirty="0"/>
-              <a:t>In addition to the three exposure indices that form my main set of instruments, I also include two extra interactions with the policy shock: a deposit-weighted metro dummy and a deposit-weighted log median household income, beside the standard bank, region and time fixed effects. These are meant to soak up potential distributional differences in demand conditions across urban vs. non-urban and higher- vs. lower-income areas during the tightening cycle. </a:t>
+              <a:t>I estimate this in two steps using the standard two-stage least squares set-up, but I will skip the equations on the slide and keep the discussion intuitive.</a:t>
+            </a:r>
+          </a:p>
+          <a:p>
+            <a:endParaRPr lang="en-US" dirty="0"/>
+          </a:p>
+          <a:p>
+            <a:r>
+              <a:rPr lang="en-US" dirty="0"/>
+              <a:t>In addition to the three exposure indices that form my main set of instruments, I also include two extra interactions with the policy shock: a deposit-weighted metropolitan dummy and a deposit-weighted log median household income, beside the standard bank, region and time fixed effects. These two additional controls are meant to soak up potential distributional differences in demand conditions across urban vs. non-urban and higher- vs. lower-income areas during the tightening cycle. </a:t>
             </a:r>
           </a:p>
           <a:p>
@@ -1188,7 +1188,7 @@
           <a:p>
             <a:r>
               <a:rPr lang="en-US" dirty="0"/>
-              <a:t>The dashed line is the upper bound of the federal funds target, and the shaded area marks my sample period from 2022Q1 to 2023Q3. Over this period the Fed raised the policy rate by about 5 and a quarter percentage points. The solid lines show effective deposit rates for all deposits and for interest-bearing deposits. You can see that banks increased the interest rate on interest-bearing deposits by </a:t>
+              <a:t>The dashed line is the upper bound of the federal funds target, and the shaded area marks my sample period from 2022Q1 to 2023Q2. Over this period the Fed raised the policy rate by 5 and a quarter percentage points. The solid lines show effective deposit rates for all deposits and for interest-bearing deposits. You can see that banks increased the interest rate on interest-bearing deposits by </a:t>
             </a:r>
             <a:r>
               <a:rPr lang="en-US" b="1" dirty="0"/>
@@ -1213,7 +1213,7 @@
           <a:p>
             <a:r>
               <a:rPr lang="en-US" dirty="0"/>
-              <a:t>The right panel takes a simple average across banks instead of an asset-weighted average, and the pass-through looks even smaller. In other words, for a typical bank, deposit rates stayed far below money-market fund and Treasury yields. This widening spread means that the opportunity cost of holding low-yield deposits kept rising, especially for financially sophisticated customers, and it created strong incentives to move funds into alternative assets.</a:t>
+              <a:t>The right panel takes a simple average across banks instead of an asset-weighted average, and the pass-through looks even smaller. In other words, for a typical bank, deposit rates stayed far below money-market fund and Treasury yields. This widening spread means that the opportunity cost of holding low-yield deposits kept rising, especially for financially sophisticated customers, and it created strong incentives for them to move funds into alternative assets.</a:t>
             </a:r>
           </a:p>
         </p:txBody>
@@ -1325,7 +1325,7 @@
             </a:r>
             <a:r>
               <a:rPr lang="en-US" dirty="0"/>
-              <a:t> is the standardized log branch density, and </a:t>
+              <a:t> is the standardized branch density, and </a:t>
             </a:r>
             <a:r>
               <a:rPr lang="en-US" i="1" dirty="0" err="1"/>
@@ -1366,7 +1366,23 @@
             </a:r>
             <a:r>
               <a:rPr lang="en-US" dirty="0"/>
-              <a:t> or operate in more concentrated markets raise deposit rates less. In terms of scale, for a 100-basis-point increase in the policy rate, a bank that is one standard deviation higher in sophistication raises its deposit rate by about 3 and a half basis points more than the average bank. The coefficient on sophistication is several times larger than the coefficient on HHI, which is consistent with the idea that depositor characteristics matter more than simple concentration for pricing power.</a:t>
+              <a:t> or operate in more concentrated markets raise deposit rates less. In terms of scale, for a 100-basis-point increase in the policy rate, a bank that is one standard deviation higher in sophistication raises its deposit rate by about 3.5 basis points more than the average bank. The coefficient on sophistication index </a:t>
+            </a:r>
+            <a:r>
+              <a:rPr lang="en-US" dirty="0" err="1"/>
+              <a:t>zS</a:t>
+            </a:r>
+            <a:r>
+              <a:rPr lang="en-US" dirty="0"/>
+              <a:t> is several times larger than the coefficient on HHI </a:t>
+            </a:r>
+            <a:r>
+              <a:rPr lang="en-US" dirty="0" err="1"/>
+              <a:t>zH</a:t>
+            </a:r>
+            <a:r>
+              <a:rPr lang="en-US" dirty="0"/>
+              <a:t>, which is consistent with the idea that depositor characteristics matter more than simple concentration for pricing power.</a:t>
             </a:r>
           </a:p>
           <a:p>
@@ -1400,7 +1416,7 @@
           <a:p>
             <a:r>
               <a:rPr lang="en-US" dirty="0"/>
-              <a:t>The Joint F statistics at the bottom summarize instrument strength. For deposit rates the joint F is about 153, so the three exposures together form a very strong instrument for funding costs in the second stage. For deposit quantities the joint F is only about 8, which is in the weak-instrument range. These patterns are robust if I drop the metro and income controls or use alternative definitions of deposit rates and deposit aggregates, or if I use flow changes for dependent variable rather than cumulative changes. </a:t>
+              <a:t>The Joint F statistics at the bottom summarize instrument strength. For deposit rates the joint F is about 153, so the three exposures together form a very strong instrument for funding costs in the second stage. For deposit quantities the joint F is only about 8, which is in the weak-instrument range. These patterns are robust if I drop the metro and income controls or use alternative definitions of deposit rates and deposit quantities, or if I use flow changes for dependent variable rather than cumulative changes. </a:t>
             </a:r>
           </a:p>
           <a:p>
@@ -1493,7 +1509,7 @@
           <a:p>
             <a:r>
               <a:rPr lang="en-US" dirty="0"/>
-              <a:t>Now let me turn to the second stage.</a:t>
+              <a:t>Now let now me turn to the second stage.</a:t>
             </a:r>
           </a:p>
           <a:p>
@@ -1534,7 +1550,7 @@
             </a:r>
             <a:r>
               <a:rPr lang="en-US" dirty="0"/>
-              <a:t>, which is economically meaningful for banks that normally grow in the low single digits. The KP F-statistic is around 150, so the funding-cost instrument is very strong.</a:t>
+              <a:t>, which is economically meaningful for banks that normally grow in the low single digits per year. The KP F-statistic is around 150, so the funding-cost instrument is very strong.</a:t>
             </a:r>
           </a:p>
           <a:p>
@@ -1567,11 +1583,11 @@
             </a:r>
             <a:r>
               <a:rPr lang="en-US" dirty="0"/>
-              <a:t> are highly endogenous and depend on how banks choose to adjust rates and replace funding. In other words, in this sample the </a:t>
+              <a:t> are highly endogenous and depend on how banks choose to adjust rates and replace funding. In other words, in this sample the deposit </a:t>
             </a:r>
             <a:r>
               <a:rPr lang="en-US" b="1" dirty="0"/>
-              <a:t>price channel clearly dominates the quantity channel</a:t>
+              <a:t>price channel clearly dominates the deposit quantity channel</a:t>
             </a:r>
             <a:r>
               <a:rPr lang="en-US" dirty="0"/>
@@ -1584,7 +1600,7 @@
           <a:p>
             <a:r>
               <a:rPr lang="en-US" dirty="0"/>
-              <a:t>These conclusions are robust to using alternative definitions of deposit rates and deposit quantities as the instrumented variable, and they remain when I restrict the sample to banks with assets below 10 billion dollars. However, when I look at loan sub-categories such as single-family mortgage, multifamily mortgage, and commercial-industrial loans separately, the estimates become imprecise and I do not find statistically strong effects, likely because reporting at that level of detail is noisier.</a:t>
+              <a:t>These conclusions are robust to using alternative definitions of deposit rates and deposit quantities as the instrumented variable, and they remain robust when I restrict the sample to banks with assets below 10 billion dollars. However, when I look at loan sub-categories such as single-family mortgage, multifamily mortgage, and commercial-industrial loans separately, the estimates become imprecise and I do not find statistically strong effects, likely because reporting at that level of detail is noisier.</a:t>
             </a:r>
           </a:p>
           <a:p>
@@ -1702,7 +1718,7 @@
             </a:r>
             <a:r>
               <a:rPr lang="en-US" dirty="0"/>
-              <a:t>, the evidence is very strong. The pre-2021 exposure measures – especially depositor sophistication and branch intensity – explain a lot of the cross-section in how much banks raised their effective deposit rates during the hiking cycle. Banks with more sophisticated depositor bases raised rates more, and more branch-intensive banks raised them less; HHI matters, but much less.</a:t>
+              <a:t>, the evidence is very strong. The pre-2022 exposure measures – especially depositor sophistication and branch intensity – explain a lot of the cross-section in how much banks raised their effective deposit rates during the hiking cycle. Banks with more sophisticated depositor bases raised rates more, and more branch-intensive banks raised rates less; HHI matters, but much less than depositor characteristics and bank funding model. </a:t>
             </a:r>
           </a:p>
           <a:p>
@@ -1736,7 +1752,7 @@
             </a:r>
             <a:r>
               <a:rPr lang="en-US" dirty="0"/>
-              <a:t>: policy-induced increases in effective deposit rates are associated with meaningfully lower loan growth, even after controlling for distributional, and regional and time effects. By contrast, when I use instrumented deposit growth instead of deposit rates, the coefficients are small, sometimes with the wrong sign, and the instruments are weak. There is </a:t>
+              <a:t>: policy-induced idiosyncratic increases in effective deposit rates are associated with meaningfully lower loan growth, even after controlling for distributional, regional and time effects. By contrast, when I use instrumented deposit growth instead of deposit rates, the coefficients are small, sometimes with the wrong sign, and the instrument is weak. There is </a:t>
             </a:r>
             <a:r>
               <a:rPr lang="en-US" b="1" dirty="0"/>
@@ -1928,7 +1944,7 @@
             </a:r>
             <a:r>
               <a:rPr lang="en-US" b="1" dirty="0"/>
-              <a:t>deposits being literally irreplaceable</a:t>
+              <a:t>deposits being irreplaceable</a:t>
             </a:r>
             <a:r>
               <a:rPr lang="en-US" dirty="0"/>
@@ -2030,7 +2046,7 @@
           <a:p>
             <a:r>
               <a:rPr lang="en-US" dirty="0"/>
-              <a:t>I will start with motivation and some literature background. And then I will introduce the deposit channel of monetary policy, formulated by </a:t>
+              <a:t>I will start with motivation and some literature introduction. And then I will introduce the deposit channel of monetary policy, formulated by </a:t>
             </a:r>
             <a:r>
               <a:rPr lang="en-US" dirty="0" err="1"/>
@@ -2307,7 +2323,7 @@
             </a:r>
             <a:r>
               <a:rPr lang="en-US" dirty="0"/>
-              <a:t> that monetary policy affects credit supply through deposit funding costs. Using the recent hiking cycle, I show that banks that are hit harder on their effective deposit rates do in fact grow loans more slowly, even after controlling for time and regional effects</a:t>
+              <a:t> that monetary policy affects credit supply through deposit funding costs. Using the recent hiking cycle, I show that banks that are hit harder on their effective deposit rates do in fact grow loans more slowly.</a:t>
             </a:r>
           </a:p>
           <a:p>
@@ -2340,7 +2356,7 @@
             </a:r>
             <a:r>
               <a:rPr lang="en-US" dirty="0"/>
-              <a:t> channel than with a pure core-deposit quantity channel, and it highlights depositor sophistication and branch-intensive funding as more important than simple HHI.</a:t>
+              <a:t> channel than with a pure core-deposit quantity channel, and it highlights depositor sophistication and branch-intensive funding as more important than local concentration or “market power” in quote proxied by simple HHI.</a:t>
             </a:r>
           </a:p>
           <a:p>
@@ -2447,7 +2463,7 @@
           <a:p>
             <a:r>
               <a:rPr lang="en-US" dirty="0"/>
-              <a:t>In terms of limitations, the estimates are deliberately reduced form. I cannot cleanly distinguish between different micro mechanisms – such as adverse selection, and capital constraints - that might generate the same funding-cost elasticity. I also do not attempt to translate these bank-level effects into a quantitative statement about the overall impact of policy on GDP or employment; that would require a calibrated model. Finally, the analysis is based on a single tightening episode in a relatively short panel, so we do not yet know how stable these elasticities are across different monetary regimes.</a:t>
+              <a:t>In terms of limitations, the estimates are deliberately reduced form. I cannot cleanly distinguish between different micro mechanisms – such as adverse selection, or capital constraints - that might generate the same funding-cost elasticity. I also do not attempt to translate these bank-level effects into a quantitative statement about the overall impact of policy on GDP or employment; that would require a calibrated model. Finally, the analysis is based on a single tightening episode in a relatively short panel, so we do not yet know how stable these elasticities are across different monetary regimes.</a:t>
             </a:r>
           </a:p>
           <a:p>
@@ -2627,7 +2643,7 @@
           <a:p>
             <a:r>
               <a:rPr lang="en-US" dirty="0"/>
-              <a:t>This paper looks inside the “black box” of how interest rate policy is transmitted to the real economy. In most macro 101 stories, this is framed as a demand-side channel: when the central bank raises rates, borrowing becomes more expensive, so investment and consumption fall, and vice versa. Keynes already questioned how powerful this is for fixed investment, noting that fluctuations in the marginal efficiency of capital can dwarf normal rate changes. That would suggest the main demand-side effect is on household spending, and, more concretely, on interest-sensitive items like mortgages and auto loans when the long end of the yield curve moves. How strong this demand channel really is, is an empirical question, but it is not the topic today.</a:t>
+              <a:t>This paper looks inside the “black box” of how interest rate policy is transmitted to the real economy. In most macro 101 stories, the transmission of interest rate policy is framed as a demand-side channel: when the central bank raises rates, borrowing becomes more expensive, so investment and consumption fall, and vice versa. Keynes already questioned how powerful this channel is for fixed investment, noting that fluctuations in the marginal efficiency of capital can dwarf normal interest rate changes. That would suggest the main demand-side effect is on household spending, and, more concretely, on interest-sensitive items like mortgages and auto loans when the long end of the yield curve moves. How strong this credit demand channel really is, is an empirical question, but it is not the topic today.</a:t>
             </a:r>
           </a:p>
           <a:p>
@@ -2644,7 +2660,7 @@
             </a:r>
             <a:r>
               <a:rPr lang="en-US" dirty="0"/>
-              <a:t>. Keynes and Minsky both stressed the central role of bankers in shaping aggregate demand, and Schumpeter famously described bankers as the “ephors of capitalism.” Credit flows are determined jointly by the willingness to borrow and the willingness to lend. Unlike the textbook demand story, the way policy moves banks’ willingness to lend is not obvious. This paper provides reduced-form evidence on a credit-supply channel of monetary policy, working through banks’ deposit funding conditions, and points to some possible micro mechanisms behind that channel. I would like to note that throughout the talk I will speak in terms of rate hikes as the monetary policy shock, because all of the empirical evidence I use comes from the most recent tightening cycle.</a:t>
+              <a:t>. Keynes and Minsky both stressed the central role of bankers in shaping aggregate demand, and Schumpeter famously described bankers as the “ephors of capitalism.” Credit flows are determined jointly by the willingness to borrow and the willingness to lend. Unlike the textbook demand story, the way policy moves banks’ willingness to lend is that not obvious. This paper provides reduced-form evidence on a credit-supply channel of monetary policy, working through banks’ deposit funding conditions, and points to some possible micro mechanisms behind that channel. I would like to note that throughout the talk I will speak in terms of rate hikes as the monetary policy shock, because the empirical evidence I use comes from the most recent tightening cycle from 2022 to 2023.</a:t>
             </a:r>
           </a:p>
         </p:txBody>
@@ -2731,16 +2747,16 @@
           <a:p>
             <a:r>
               <a:rPr lang="en-US" dirty="0"/>
-              <a:t>Now I’ll briefly walk through a few main channels of interest-rate transmission in the literature.</a:t>
-            </a:r>
-          </a:p>
-          <a:p>
-            <a:endParaRPr lang="en-US" dirty="0"/>
-          </a:p>
-          <a:p>
-            <a:r>
-              <a:rPr lang="en-US" dirty="0"/>
-              <a:t>The first one is the textbook “interest rate” channel, which I already hinted at. The story is that when the central bank raises the overnight rate, the whole yield curve magically shifts up, borrowing costs go up, and households and firms cut back on credit demand and spending. In more sophisticated versions, it is not any single overnight rate move that matters, but changes in the whole </a:t>
+              <a:t>Now I’ll briefly walk through a few main channels of interest-rate policy transmission in the literature, that are related to banks. </a:t>
+            </a:r>
+          </a:p>
+          <a:p>
+            <a:endParaRPr lang="en-US" dirty="0"/>
+          </a:p>
+          <a:p>
+            <a:r>
+              <a:rPr lang="en-US" dirty="0"/>
+              <a:t>The first one is the textbook “interest rate” channel, which I already hinted at. The story is that when the central bank raises the overnight rate, the whole yield curve magically shifts up and lenders pass through most of the rate hike to loan rates. Then. borrowing costs go up, and households and firms cut back on credit demand and spending. In more sophisticated versions, it is not any single policy rate move that matters, but changes in the whole </a:t>
             </a:r>
             <a:r>
               <a:rPr lang="en-US" i="1" dirty="0"/>
@@ -2783,7 +2799,7 @@
             </a:pPr>
             <a:r>
               <a:rPr lang="en-US" dirty="0"/>
-              <a:t>The third channel is the “credit channel” of Bernanke and coauthors. Rate hikes weaken borrower and bank balance sheets—collateral values fall, default risk rises, and banks’ own asset values and profits decline—so banks become more cautious and cut lending. In this way, balance sheets amplify the initial interest-rate shock. The fourth channel is the </a:t>
+              <a:t>The third channel is the “credit channel” of Bernanke and coauthors. Rate hikes weaken borrower and bank balance sheets—collateral values fall, default risk rises, and banks’ own asset values and profits decline—so banks become more cautious and cut lending. In this way, balance sheets basically amplify the initial demand shock. The fourth channel is the </a:t>
             </a:r>
             <a:r>
               <a:rPr lang="en-US" b="1" dirty="0"/>
@@ -2800,7 +2816,7 @@
           <a:p>
             <a:r>
               <a:rPr lang="en-US" dirty="0"/>
-              <a:t>The last channel is the deposit channel, formulated by Drechsler and coauthors. The idea is that when the central bank raises rates, banks have local market power over retail deposits and only pass through part of the hike into deposit rates. The spread between deposit rates and outside options, like Treasury bills and money market funds, widens. As that happens, households and firms reallocate into those higher-yield, liquid alternatives, so deposits flow out of the banking system. Because core deposits are the main funding source for many banks, and may not be easy or cheap to replace with large CDs, time deposits, or wholesale funding, banks may respond by shrinking their balance sheets and cutting back on lending. I will come back to this deposit channel on the next slide.</a:t>
+              <a:t>The last channel is the deposit channel, formulated by Drechsler and coauthors. The idea is that when the central bank raises rates, banks have local market power over retail deposits and only pass through part of the hike into deposit rates. The spread between deposit rates and outside options, like Treasury bills and money market funds, widens. As that happens, households and firms reallocate into those higher-yield, liquid alternatives, so deposits flow out of the banking system. Because core deposits are the main funding source for many banks, and may not be easy or cheap to replace with large CDs, time deposits, or wholesale funding, banks may respond by shrinking their balance sheets and cutting back on lending. In this paper I focus on this deposit channel. </a:t>
             </a:r>
           </a:p>
         </p:txBody>
@@ -2895,7 +2911,7 @@
             </a:r>
             <a:r>
               <a:rPr lang="en-US" dirty="0"/>
-              <a:t> and Schnabl (2016), hereafter DSS, use a cross-sectional strategy rather than macro time-series. They measure local deposit-market concentration with the county-level Herfindahl–Hirschman Index from branch deposits. The idea is that in competitive counties with low HHI deposit taking is closer to perfect competition, so banks must pass through more of a policy-rate hike into deposit rates. In concentrated counties with high HHI banks have more market power, pass through less, let deposit spreads widen, and therefore should lose more deposits when rates rise. To separate this from loan-demand effects, they include bank-time fixed effects and effectively compare different branches of the same bank operating in counties with different HHI.</a:t>
+              <a:t> and Schnabl (2016), hereafter DSS, use a cross-sectional strategy rather than highly endogenous macro time-series. They measure local deposit-market concentration with the county-level Herfindahl–Hirschman Index from branch deposits. The idea is that in competitive counties with low HHI, deposit taking is closer to perfect competition, so banks must pass through more of a policy-rate hike into deposit rates. In concentrated counties with high HHI banks have more market power, pass through less, let deposit spreads widen, and therefore should lose more deposits when rates rise. To separate this from loan-demand effects, they introduce bank-time fixed effects and effectively compare different branches of the same bank operating in counties with different HHI.</a:t>
             </a:r>
           </a:p>
           <a:p>
@@ -3020,23 +3036,15 @@
             </a:r>
             <a:r>
               <a:rPr lang="en-US" dirty="0"/>
-              <a:t> whose rates are set elsewhere. These follower branches make up about 90 percent of all branches. When </a:t>
-            </a:r>
-            <a:r>
-              <a:rPr lang="en-US" dirty="0" err="1"/>
-              <a:t>Begenau</a:t>
-            </a:r>
-            <a:r>
-              <a:rPr lang="en-US" dirty="0"/>
-              <a:t> and Stafford put these branches back into the sample and repeat the within–bank–over–time regressions, the key relationship that DSS emphasize – that branches in more concentrated counties raise deposit rates less when the funds rate goes up – essentially disappears. At the same time, the pattern for </a:t>
+              <a:t> who do not actively set rates. These follower branches make up about 90 percent of all branches and when included back to the sample, the DSS regressions no longer show economically meaningful results. At the same time, the pattern for </a:t>
             </a:r>
             <a:r>
               <a:rPr lang="en-US" b="1" dirty="0"/>
-              <a:t>deposit flows</a:t>
-            </a:r>
-            <a:r>
-              <a:rPr lang="en-US" dirty="0"/>
-              <a:t> survives: during tightening, branches in more concentrated counties still tend to lose deposits more quickly, even when their local rates are the same as in competitive counties. This strongly suggests that the HHI term in the flow regressions is picking up </a:t>
+              <a:t>deposit outflows</a:t>
+            </a:r>
+            <a:r>
+              <a:rPr lang="en-US" dirty="0"/>
+              <a:t> is still there for the follower branches, which do not follow the mechanism DSS formulated. This strongly suggests that the HHI term in the deposit growth regressions is picking up </a:t>
             </a:r>
             <a:r>
               <a:rPr lang="en-US" b="1" dirty="0"/>
@@ -3061,7 +3069,7 @@
             </a:r>
             <a:r>
               <a:rPr lang="en-US" dirty="0"/>
-              <a:t>. The largest banks, roughly the top decile by size, hold around 90 percent of U.S. banking assets and deposits. For this group, the HHI-based patterns in spreads, deposit flows, and loan growth are weak or even go in the wrong direction, and these banks actively replace lost core deposits with large time deposits and wholesale funding. So even if a DSS-style deposit quantity channel exists for some smaller, local banks, </a:t>
+              <a:t>. The top 10% banks by size, hold around 90% of U.S. bank assets and deposits. For this group, the HHI-based patterns in spreads, deposit flows, and loan growth are weak or even go in the wrong direction, and these banks actively replace lost core deposits with large time deposits and wholesale funding. So even if a DSS-style deposit quantity channel exists for some smaller, local banks, </a:t>
             </a:r>
             <a:r>
               <a:rPr lang="en-US" dirty="0" err="1"/>
@@ -3156,91 +3164,29 @@
           <a:p>
             <a:r>
               <a:rPr lang="en-US" dirty="0"/>
-              <a:t>Here I lay out my theoretical critiques about how DSS formulate the deposit channel.</a:t>
-            </a:r>
-          </a:p>
-          <a:p>
-            <a:endParaRPr lang="en-US" dirty="0"/>
-          </a:p>
-          <a:p>
-            <a:r>
-              <a:rPr lang="en-US" dirty="0"/>
-              <a:t>First, DSS start from the premise that retail deposits are a special and valuable funding source for most banks. If that is true, then for a bank that is especially prone to deposit outflows, the natural response to a rate hike is to </a:t>
-            </a:r>
-            <a:r>
-              <a:rPr lang="en-US" b="1" dirty="0"/>
-              <a:t>raise</a:t>
-            </a:r>
-            <a:r>
-              <a:rPr lang="en-US" dirty="0"/>
-              <a:t> deposit rates more aggressively to defend its deposit base. In other words, the banks with “flightier” deposits should </a:t>
-            </a:r>
-            <a:r>
-              <a:rPr lang="en-US" i="1" dirty="0"/>
-              <a:t>pass through more</a:t>
-            </a:r>
-            <a:r>
-              <a:rPr lang="en-US" dirty="0"/>
-              <a:t> of a policy-rate increase into deposit rates, not simply accept large outflows. It is not internally consistent to assume deposits are crucial but also assume banks with market power let core deposits run off without using the price margin. That logic already pushes us toward thinking of the deposit channel as working primarily through </a:t>
-            </a:r>
-            <a:r>
-              <a:rPr lang="en-US" b="1" dirty="0"/>
-              <a:t>funding costs - </a:t>
-            </a:r>
-            <a:r>
-              <a:rPr lang="en-US" dirty="0"/>
-              <a:t>how much banks have to pay on deposits, rather than through the sheer quantity of deposits left on the balance sheet.</a:t>
-            </a:r>
-          </a:p>
-          <a:p>
-            <a:endParaRPr lang="en-US" dirty="0"/>
-          </a:p>
-          <a:p>
-            <a:r>
-              <a:rPr lang="en-US" dirty="0"/>
-              <a:t>Second, from an endogenous-money perspective, I think deposits are </a:t>
-            </a:r>
-            <a:r>
-              <a:rPr lang="en-US" b="1" dirty="0"/>
-              <a:t>much more substitutable</a:t>
-            </a:r>
-            <a:r>
-              <a:rPr lang="en-US" dirty="0"/>
-              <a:t> than the DSS story implies. At the macro level, when households move money out of checking and savings accounts into T-bills or money market funds, the resulting portfolio rebalancing does not map one-for-one or anything close into a shrinkage of bank loans. Some of those funds come back as brokered CDs or large time deposits, some are effectively recycled as banks sell securities such as Treasuries, and only the residual funding gap has to be closed by cutting loan supply. In that environment, you would logically expect the </a:t>
-            </a:r>
-            <a:r>
-              <a:rPr lang="en-US" b="1" dirty="0"/>
-              <a:t>aggregate loan response</a:t>
-            </a:r>
-            <a:r>
-              <a:rPr lang="en-US" dirty="0"/>
-              <a:t> to be substantially smaller than the aggregate deposit outflow that DSS emphasize, and way smaller than in their calibration.</a:t>
-            </a:r>
-          </a:p>
-          <a:p>
-            <a:endParaRPr lang="en-US" dirty="0"/>
-          </a:p>
-          <a:p>
-            <a:r>
-              <a:rPr lang="en-US" dirty="0"/>
-              <a:t>That said, even if the aggregate quantity effect is weak, the </a:t>
-            </a:r>
-            <a:r>
-              <a:rPr lang="en-US" b="1" dirty="0"/>
-              <a:t>distribution</a:t>
-            </a:r>
-            <a:r>
-              <a:rPr lang="en-US" dirty="0"/>
-              <a:t> of funding stress across banks can still matter if some borrowers depend on relationship lenders and cannot easily switch banks. In that case, where the deposit outflows land, and which banks face higher replacement costs, can still create a meaningful deposit channel. My view is that the key cross-sectional difference is not simply “who loses more core deposits,” but </a:t>
-            </a:r>
-            <a:r>
-              <a:rPr lang="en-US" b="1" dirty="0"/>
-              <a:t>at what price and scale each bank can replace those deposits</a:t>
-            </a:r>
-            <a:r>
-              <a:rPr lang="en-US" dirty="0"/>
-              <a:t> with alternative liabilities. Banks that lose more cheap core funding have to either pay higher rates on core deposit or rely more heavily on expensive wholesale funding such as brokered CD or large time deposit, and thus funding will face higher funding costs and thus a stronger incentive to slow lending.</a:t>
-            </a:r>
+              <a:t>Here I lay out my theoretical critiques of how DSS formulate the deposit channel.</a:t>
+            </a:r>
+          </a:p>
+          <a:p>
+            <a:endParaRPr lang="en-US" dirty="0"/>
+          </a:p>
+          <a:p>
+            <a:r>
+              <a:rPr lang="en-US" dirty="0"/>
+              <a:t>First, DSS start from the premise that retail deposits are a special and valuable funding source for most banks. If that is true, then a bank that is especially prone to deposit outflows should respond to a rate hike by raising deposit rates more aggressively to defend its deposit base. In other words, banks with precarious deposits would increase rates more during rate hike cycles, rather than simply accept large outflows. It is not internally consistent to assume deposits are crucial for bank operation but also assume banks with market power let core deposits run off without increasing deposit rates. Hence, I argue that deposit quantity growth for a bank is highly endogenous, depending on how a bank set deposit rates. We should not expect, ex ante, that banks with more market power would face higher deposit outflow. This logic already pushes us toward thinking of the deposit channel as working mainly through funding costs, meaning how much banks have to pay on deposits, rather than through the sheer quantity of deposits left on the balance sheet.</a:t>
+            </a:r>
+          </a:p>
+          <a:p>
+            <a:endParaRPr lang="en-US" dirty="0"/>
+          </a:p>
+          <a:p>
+            <a:r>
+              <a:rPr lang="en-US" dirty="0"/>
+              <a:t>Second, from an endogenous-money perspective, I think deposits are much more substitutable than the DSS story implies. At the macro level, when households move money out of checking and savings accounts into T-bills or money market funds, this portfolio rebalancing does not translate one-for-one, or anything close, into a shrinkage of bank loans. Some of those funds return as brokered CDs or large time deposits (as you may see in this simple table),and  some are effectively recycled as banks sell securities such as Treasuries, and only the remaining funding gap has to be closed by cutting loan supply. In that environment, with simple logic, you would expect the aggregate loan response to be much smaller than the aggregate deposit outflow in DSS’s calibration.</a:t>
+            </a:r>
+          </a:p>
+          <a:p>
+            <a:endParaRPr lang="en-US" dirty="0"/>
           </a:p>
         </p:txBody>
       </p:sp>
@@ -3385,7 +3331,7 @@
             </a:r>
             <a:r>
               <a:rPr lang="en-US" dirty="0"/>
-              <a:t>. In the rest of the presentation, I will treat this as a set of hypotheses and test whether the data from the recent hiking cycle are consistent with this mechanism.</a:t>
+              <a:t>. In the paper, I treat this as a set of hypotheses and test whether the data from the recent hiking cycle are consistent with this mechanism.</a:t>
             </a:r>
           </a:p>
         </p:txBody>
@@ -3472,16 +3418,25 @@
           <a:p>
             <a:r>
               <a:rPr lang="en-US" dirty="0"/>
-              <a:t>The empirical strategy has two steps. I take the recent hiking cycle as a common policy shock. Banks differ in their pre-existing characteristics – who their depositors are, how branch-intensive they are, and where they operate – and these differences make some banks much more exposed to that shock than others.</a:t>
-            </a:r>
-          </a:p>
-          <a:p>
-            <a:endParaRPr lang="en-US" dirty="0"/>
-          </a:p>
-          <a:p>
-            <a:r>
-              <a:rPr lang="en-US" dirty="0"/>
-              <a:t>In the first step I ask: do those ex-ante characteristics actually predict how much a bank’s deposit rates and deposit quantities move during the cycle? In the second step, I treat those predicted changes in funding conditions as policy-induced shocks and see how banks’ loan growth responds. That gives a reduced-form estimate of the credit-supply effect of a deposit funding shock.</a:t>
+              <a:t>The empirical strategy follows a standard 2-stage least square setup and has two steps. I take the recent hiking cycle as a common policy shock. Banks differ in their pre-existing characteristics – who their depositors are, how branch-intensive they are, and where they operate – and these differences make some banks much more exposed to the interest rate shock than others.</a:t>
+            </a:r>
+          </a:p>
+          <a:p>
+            <a:endParaRPr lang="en-US" dirty="0"/>
+          </a:p>
+          <a:p>
+            <a:r>
+              <a:rPr lang="en-US" dirty="0"/>
+              <a:t>In the first step I ask: do those ex-ante characteristics actually predict how much a bank’s deposit rates and deposit quantities move during the cycle? </a:t>
+            </a:r>
+          </a:p>
+          <a:p>
+            <a:endParaRPr lang="en-US" dirty="0"/>
+          </a:p>
+          <a:p>
+            <a:r>
+              <a:rPr lang="en-US" dirty="0"/>
+              <a:t>In the second step, I treat those predicted changes in funding conditions as policy-induced shocks and see how banks’ loan growth responds. That gives a reduced-form estimate of the credit-supply effect of a deposit funding shock.</a:t>
             </a:r>
           </a:p>
         </p:txBody>
@@ -6900,7 +6855,7 @@
           <a:p>
             <a:r>
               <a:rPr lang="en-US" dirty="0"/>
-              <a:t>Quarterly panel of U.S. commercial banks, 2021Q4–2023Q3</a:t>
+              <a:t>Quarterly panel of U.S. commercial banks, 2022Q1–2023Q2</a:t>
             </a:r>
           </a:p>
           <a:p>
@@ -7117,7 +7072,7 @@
           <a:p>
             <a:r>
               <a:rPr lang="en-US" dirty="0"/>
-              <a:t>Depositor sophistication index (income, education, age, internet, financial activity, refi)</a:t>
+              <a:t>Depositor sophistication index (income, education, age, internet, financial activity, mortgage refinancing)</a:t>
             </a:r>
           </a:p>
           <a:p>
@@ -8069,48 +8024,50 @@
         </p:nvSpPr>
         <p:spPr/>
         <p:txBody>
-          <a:bodyPr/>
-          <a:lstStyle/>
-          <a:p>
-            <a:r>
-              <a:rPr lang="en-US" dirty="0"/>
-              <a:t>1) Motivation</a:t>
-            </a:r>
-          </a:p>
-          <a:p>
-            <a:r>
-              <a:rPr lang="en-US" dirty="0"/>
-              <a:t>2) Background</a:t>
-            </a:r>
-          </a:p>
-          <a:p>
-            <a:r>
-              <a:rPr lang="en-US" dirty="0"/>
-              <a:t>3) The “Deposit Channel”</a:t>
-            </a:r>
-          </a:p>
-          <a:p>
-            <a:r>
-              <a:rPr lang="en-US" dirty="0"/>
-              <a:t>4) Empirical Strategy</a:t>
-            </a:r>
-          </a:p>
-          <a:p>
-            <a:r>
-              <a:rPr lang="en-US" dirty="0"/>
-              <a:t>5) Results</a:t>
-            </a:r>
-          </a:p>
-          <a:p>
-            <a:r>
-              <a:rPr lang="en-US" dirty="0"/>
-              <a:t>6) Discussion</a:t>
-            </a:r>
-          </a:p>
-          <a:p>
-            <a:r>
-              <a:rPr lang="en-US" dirty="0"/>
-              <a:t>7) Contribution and Limitations</a:t>
+          <a:bodyPr>
+            <a:normAutofit lnSpcReduction="10000"/>
+          </a:bodyPr>
+          <a:lstStyle/>
+          <a:p>
+            <a:r>
+              <a:rPr lang="en-US" dirty="0"/>
+              <a:t>1) Motivation &amp; Literature</a:t>
+            </a:r>
+          </a:p>
+          <a:p>
+            <a:endParaRPr lang="en-US" dirty="0"/>
+          </a:p>
+          <a:p>
+            <a:r>
+              <a:rPr lang="en-US" dirty="0"/>
+              <a:t>2) The “Deposit Channel”</a:t>
+            </a:r>
+          </a:p>
+          <a:p>
+            <a:endParaRPr lang="en-US" dirty="0"/>
+          </a:p>
+          <a:p>
+            <a:r>
+              <a:rPr lang="en-US" dirty="0"/>
+              <a:t>3) Empirical Strategy &amp; Results</a:t>
+            </a:r>
+          </a:p>
+          <a:p>
+            <a:endParaRPr lang="en-US" dirty="0"/>
+          </a:p>
+          <a:p>
+            <a:r>
+              <a:rPr lang="en-US" dirty="0"/>
+              <a:t>4) Discussion</a:t>
+            </a:r>
+          </a:p>
+          <a:p>
+            <a:endParaRPr lang="en-US" dirty="0"/>
+          </a:p>
+          <a:p>
+            <a:r>
+              <a:rPr lang="en-US" dirty="0"/>
+              <a:t>5) Contribution and Limitations</a:t>
             </a:r>
           </a:p>
         </p:txBody>
